--- a/資料/icon512.pptx
+++ b/資料/icon512.pptx
@@ -7,6 +7,7 @@
   <p:sldIdLst>
     <p:sldId id="257" r:id="rId2"/>
     <p:sldId id="258" r:id="rId3"/>
+    <p:sldId id="259" r:id="rId4"/>
   </p:sldIdLst>
   <p:sldSz cx="4865688" cy="4865688"/>
   <p:notesSz cx="6858000" cy="9144000"/>
@@ -347,7 +348,7 @@
           <a:p>
             <a:fld id="{0F00270E-C310-4A15-A181-70DB3B0EDDE1}" type="datetimeFigureOut">
               <a:rPr kumimoji="1" lang="ja-JP" altLang="en-US" smtClean="0"/>
-              <a:t>2020/6/7</a:t>
+              <a:t>2020/6/24</a:t>
             </a:fld>
             <a:endParaRPr kumimoji="1" lang="ja-JP" altLang="en-US"/>
           </a:p>
@@ -549,7 +550,7 @@
           <a:p>
             <a:fld id="{0F00270E-C310-4A15-A181-70DB3B0EDDE1}" type="datetimeFigureOut">
               <a:rPr kumimoji="1" lang="ja-JP" altLang="en-US" smtClean="0"/>
-              <a:t>2020/6/7</a:t>
+              <a:t>2020/6/24</a:t>
             </a:fld>
             <a:endParaRPr kumimoji="1" lang="ja-JP" altLang="en-US"/>
           </a:p>
@@ -761,7 +762,7 @@
           <a:p>
             <a:fld id="{0F00270E-C310-4A15-A181-70DB3B0EDDE1}" type="datetimeFigureOut">
               <a:rPr kumimoji="1" lang="ja-JP" altLang="en-US" smtClean="0"/>
-              <a:t>2020/6/7</a:t>
+              <a:t>2020/6/24</a:t>
             </a:fld>
             <a:endParaRPr kumimoji="1" lang="ja-JP" altLang="en-US"/>
           </a:p>
@@ -963,7 +964,7 @@
           <a:p>
             <a:fld id="{0F00270E-C310-4A15-A181-70DB3B0EDDE1}" type="datetimeFigureOut">
               <a:rPr kumimoji="1" lang="ja-JP" altLang="en-US" smtClean="0"/>
-              <a:t>2020/6/7</a:t>
+              <a:t>2020/6/24</a:t>
             </a:fld>
             <a:endParaRPr kumimoji="1" lang="ja-JP" altLang="en-US"/>
           </a:p>
@@ -1207,7 +1208,7 @@
           <a:p>
             <a:fld id="{0F00270E-C310-4A15-A181-70DB3B0EDDE1}" type="datetimeFigureOut">
               <a:rPr kumimoji="1" lang="ja-JP" altLang="en-US" smtClean="0"/>
-              <a:t>2020/6/7</a:t>
+              <a:t>2020/6/24</a:t>
             </a:fld>
             <a:endParaRPr kumimoji="1" lang="ja-JP" altLang="en-US"/>
           </a:p>
@@ -1503,7 +1504,7 @@
           <a:p>
             <a:fld id="{0F00270E-C310-4A15-A181-70DB3B0EDDE1}" type="datetimeFigureOut">
               <a:rPr kumimoji="1" lang="ja-JP" altLang="en-US" smtClean="0"/>
-              <a:t>2020/6/7</a:t>
+              <a:t>2020/6/24</a:t>
             </a:fld>
             <a:endParaRPr kumimoji="1" lang="ja-JP" altLang="en-US"/>
           </a:p>
@@ -1934,7 +1935,7 @@
           <a:p>
             <a:fld id="{0F00270E-C310-4A15-A181-70DB3B0EDDE1}" type="datetimeFigureOut">
               <a:rPr kumimoji="1" lang="ja-JP" altLang="en-US" smtClean="0"/>
-              <a:t>2020/6/7</a:t>
+              <a:t>2020/6/24</a:t>
             </a:fld>
             <a:endParaRPr kumimoji="1" lang="ja-JP" altLang="en-US"/>
           </a:p>
@@ -2052,7 +2053,7 @@
           <a:p>
             <a:fld id="{0F00270E-C310-4A15-A181-70DB3B0EDDE1}" type="datetimeFigureOut">
               <a:rPr kumimoji="1" lang="ja-JP" altLang="en-US" smtClean="0"/>
-              <a:t>2020/6/7</a:t>
+              <a:t>2020/6/24</a:t>
             </a:fld>
             <a:endParaRPr kumimoji="1" lang="ja-JP" altLang="en-US"/>
           </a:p>
@@ -2147,7 +2148,7 @@
           <a:p>
             <a:fld id="{0F00270E-C310-4A15-A181-70DB3B0EDDE1}" type="datetimeFigureOut">
               <a:rPr kumimoji="1" lang="ja-JP" altLang="en-US" smtClean="0"/>
-              <a:t>2020/6/7</a:t>
+              <a:t>2020/6/24</a:t>
             </a:fld>
             <a:endParaRPr kumimoji="1" lang="ja-JP" altLang="en-US"/>
           </a:p>
@@ -2456,7 +2457,7 @@
           <a:p>
             <a:fld id="{0F00270E-C310-4A15-A181-70DB3B0EDDE1}" type="datetimeFigureOut">
               <a:rPr kumimoji="1" lang="ja-JP" altLang="en-US" smtClean="0"/>
-              <a:t>2020/6/7</a:t>
+              <a:t>2020/6/24</a:t>
             </a:fld>
             <a:endParaRPr kumimoji="1" lang="ja-JP" altLang="en-US"/>
           </a:p>
@@ -2713,7 +2714,7 @@
           <a:p>
             <a:fld id="{0F00270E-C310-4A15-A181-70DB3B0EDDE1}" type="datetimeFigureOut">
               <a:rPr kumimoji="1" lang="ja-JP" altLang="en-US" smtClean="0"/>
-              <a:t>2020/6/7</a:t>
+              <a:t>2020/6/24</a:t>
             </a:fld>
             <a:endParaRPr kumimoji="1" lang="ja-JP" altLang="en-US"/>
           </a:p>
@@ -2958,7 +2959,7 @@
           <a:p>
             <a:fld id="{0F00270E-C310-4A15-A181-70DB3B0EDDE1}" type="datetimeFigureOut">
               <a:rPr kumimoji="1" lang="ja-JP" altLang="en-US" smtClean="0"/>
-              <a:t>2020/6/7</a:t>
+              <a:t>2020/6/24</a:t>
             </a:fld>
             <a:endParaRPr kumimoji="1" lang="ja-JP" altLang="en-US"/>
           </a:p>
@@ -3629,6 +3630,150 @@
 </p:sld>
 </file>
 
+<file path=ppt/slides/slide3.xml><?xml version="1.0" encoding="utf-8"?>
+<p:sld xmlns:a="http://schemas.openxmlformats.org/drawingml/2006/main" xmlns:r="http://schemas.openxmlformats.org/officeDocument/2006/relationships" xmlns:p="http://schemas.openxmlformats.org/presentationml/2006/main">
+  <p:cSld>
+    <p:spTree>
+      <p:nvGrpSpPr>
+        <p:cNvPr id="1" name=""/>
+        <p:cNvGrpSpPr/>
+        <p:nvPr/>
+      </p:nvGrpSpPr>
+      <p:grpSpPr>
+        <a:xfrm>
+          <a:off x="0" y="0"/>
+          <a:ext cx="0" cy="0"/>
+          <a:chOff x="0" y="0"/>
+          <a:chExt cx="0" cy="0"/>
+        </a:xfrm>
+      </p:grpSpPr>
+      <p:sp>
+        <p:nvSpPr>
+          <p:cNvPr id="3" name="正方形/長方形 2">
+            <a:extLst>
+              <a:ext uri="{FF2B5EF4-FFF2-40B4-BE49-F238E27FC236}">
+                <a16:creationId xmlns:a16="http://schemas.microsoft.com/office/drawing/2014/main" id="{8EE5828E-195E-4059-911D-9EE0CC0F8A39}"/>
+              </a:ext>
+            </a:extLst>
+          </p:cNvPr>
+          <p:cNvSpPr/>
+          <p:nvPr/>
+        </p:nvSpPr>
+        <p:spPr>
+          <a:xfrm>
+            <a:off x="-1" y="5"/>
+            <a:ext cx="4865689" cy="4865683"/>
+          </a:xfrm>
+          <a:prstGeom prst="rect">
+            <a:avLst/>
+          </a:prstGeom>
+          <a:noFill/>
+          <a:ln w="1016000">
+            <a:solidFill>
+              <a:srgbClr val="0070C0"/>
+            </a:solidFill>
+          </a:ln>
+        </p:spPr>
+        <p:style>
+          <a:lnRef idx="2">
+            <a:schemeClr val="accent1">
+              <a:shade val="50000"/>
+            </a:schemeClr>
+          </a:lnRef>
+          <a:fillRef idx="1">
+            <a:schemeClr val="accent1"/>
+          </a:fillRef>
+          <a:effectRef idx="0">
+            <a:schemeClr val="accent1"/>
+          </a:effectRef>
+          <a:fontRef idx="minor">
+            <a:schemeClr val="lt1"/>
+          </a:fontRef>
+        </p:style>
+        <p:txBody>
+          <a:bodyPr rtlCol="0" anchor="ctr"/>
+          <a:lstStyle/>
+          <a:p>
+            <a:pPr algn="ctr"/>
+            <a:endParaRPr kumimoji="1" lang="ja-JP" altLang="en-US" sz="6983"/>
+          </a:p>
+        </p:txBody>
+      </p:sp>
+      <p:pic>
+        <p:nvPicPr>
+          <p:cNvPr id="7" name="図 6">
+            <a:extLst>
+              <a:ext uri="{FF2B5EF4-FFF2-40B4-BE49-F238E27FC236}">
+                <a16:creationId xmlns:a16="http://schemas.microsoft.com/office/drawing/2014/main" id="{24A829C6-DB89-4CC3-918E-C66BEB1D850A}"/>
+              </a:ext>
+            </a:extLst>
+          </p:cNvPr>
+          <p:cNvPicPr>
+            <a:picLocks noChangeAspect="1"/>
+          </p:cNvPicPr>
+          <p:nvPr/>
+        </p:nvPicPr>
+        <p:blipFill>
+          <a:blip r:embed="rId2">
+            <a:clrChange>
+              <a:clrFrom>
+                <a:srgbClr val="000000">
+                  <a:alpha val="0"/>
+                </a:srgbClr>
+              </a:clrFrom>
+              <a:clrTo>
+                <a:srgbClr val="000000">
+                  <a:alpha val="0"/>
+                </a:srgbClr>
+              </a:clrTo>
+            </a:clrChange>
+            <a:duotone>
+              <a:schemeClr val="accent1">
+                <a:shade val="45000"/>
+                <a:satMod val="135000"/>
+              </a:schemeClr>
+              <a:prstClr val="white"/>
+            </a:duotone>
+            <a:extLst>
+              <a:ext uri="{28A0092B-C50C-407E-A947-70E740481C1C}">
+                <a14:useLocalDpi xmlns:a14="http://schemas.microsoft.com/office/drawing/2010/main" val="0"/>
+              </a:ext>
+            </a:extLst>
+          </a:blip>
+          <a:stretch>
+            <a:fillRect/>
+          </a:stretch>
+        </p:blipFill>
+        <p:spPr>
+          <a:xfrm>
+            <a:off x="598851" y="846843"/>
+            <a:ext cx="3667986" cy="3172002"/>
+          </a:xfrm>
+          <a:prstGeom prst="rect">
+            <a:avLst/>
+          </a:prstGeom>
+          <a:effectLst>
+            <a:glow rad="63500">
+              <a:schemeClr val="bg1">
+                <a:alpha val="80000"/>
+              </a:schemeClr>
+            </a:glow>
+          </a:effectLst>
+        </p:spPr>
+      </p:pic>
+    </p:spTree>
+    <p:extLst>
+      <p:ext uri="{BB962C8B-B14F-4D97-AF65-F5344CB8AC3E}">
+        <p14:creationId xmlns:p14="http://schemas.microsoft.com/office/powerpoint/2010/main" val="3113833346"/>
+      </p:ext>
+    </p:extLst>
+  </p:cSld>
+  <p:clrMapOvr>
+    <a:masterClrMapping/>
+  </p:clrMapOvr>
+</p:sld>
+</file>
+
 <file path=ppt/theme/theme1.xml><?xml version="1.0" encoding="utf-8"?>
 <a:theme xmlns:a="http://schemas.openxmlformats.org/drawingml/2006/main" name="Office テーマ">
   <a:themeElements>

--- a/資料/icon512.pptx
+++ b/資料/icon512.pptx
@@ -8,6 +8,7 @@
     <p:sldId id="257" r:id="rId2"/>
     <p:sldId id="258" r:id="rId3"/>
     <p:sldId id="259" r:id="rId4"/>
+    <p:sldId id="260" r:id="rId5"/>
   </p:sldIdLst>
   <p:sldSz cx="4865688" cy="4865688"/>
   <p:notesSz cx="6858000" cy="9144000"/>
@@ -348,7 +349,7 @@
           <a:p>
             <a:fld id="{0F00270E-C310-4A15-A181-70DB3B0EDDE1}" type="datetimeFigureOut">
               <a:rPr kumimoji="1" lang="ja-JP" altLang="en-US" smtClean="0"/>
-              <a:t>2020/6/24</a:t>
+              <a:t>2020/7/1</a:t>
             </a:fld>
             <a:endParaRPr kumimoji="1" lang="ja-JP" altLang="en-US"/>
           </a:p>
@@ -550,7 +551,7 @@
           <a:p>
             <a:fld id="{0F00270E-C310-4A15-A181-70DB3B0EDDE1}" type="datetimeFigureOut">
               <a:rPr kumimoji="1" lang="ja-JP" altLang="en-US" smtClean="0"/>
-              <a:t>2020/6/24</a:t>
+              <a:t>2020/7/1</a:t>
             </a:fld>
             <a:endParaRPr kumimoji="1" lang="ja-JP" altLang="en-US"/>
           </a:p>
@@ -762,7 +763,7 @@
           <a:p>
             <a:fld id="{0F00270E-C310-4A15-A181-70DB3B0EDDE1}" type="datetimeFigureOut">
               <a:rPr kumimoji="1" lang="ja-JP" altLang="en-US" smtClean="0"/>
-              <a:t>2020/6/24</a:t>
+              <a:t>2020/7/1</a:t>
             </a:fld>
             <a:endParaRPr kumimoji="1" lang="ja-JP" altLang="en-US"/>
           </a:p>
@@ -964,7 +965,7 @@
           <a:p>
             <a:fld id="{0F00270E-C310-4A15-A181-70DB3B0EDDE1}" type="datetimeFigureOut">
               <a:rPr kumimoji="1" lang="ja-JP" altLang="en-US" smtClean="0"/>
-              <a:t>2020/6/24</a:t>
+              <a:t>2020/7/1</a:t>
             </a:fld>
             <a:endParaRPr kumimoji="1" lang="ja-JP" altLang="en-US"/>
           </a:p>
@@ -1208,7 +1209,7 @@
           <a:p>
             <a:fld id="{0F00270E-C310-4A15-A181-70DB3B0EDDE1}" type="datetimeFigureOut">
               <a:rPr kumimoji="1" lang="ja-JP" altLang="en-US" smtClean="0"/>
-              <a:t>2020/6/24</a:t>
+              <a:t>2020/7/1</a:t>
             </a:fld>
             <a:endParaRPr kumimoji="1" lang="ja-JP" altLang="en-US"/>
           </a:p>
@@ -1504,7 +1505,7 @@
           <a:p>
             <a:fld id="{0F00270E-C310-4A15-A181-70DB3B0EDDE1}" type="datetimeFigureOut">
               <a:rPr kumimoji="1" lang="ja-JP" altLang="en-US" smtClean="0"/>
-              <a:t>2020/6/24</a:t>
+              <a:t>2020/7/1</a:t>
             </a:fld>
             <a:endParaRPr kumimoji="1" lang="ja-JP" altLang="en-US"/>
           </a:p>
@@ -1935,7 +1936,7 @@
           <a:p>
             <a:fld id="{0F00270E-C310-4A15-A181-70DB3B0EDDE1}" type="datetimeFigureOut">
               <a:rPr kumimoji="1" lang="ja-JP" altLang="en-US" smtClean="0"/>
-              <a:t>2020/6/24</a:t>
+              <a:t>2020/7/1</a:t>
             </a:fld>
             <a:endParaRPr kumimoji="1" lang="ja-JP" altLang="en-US"/>
           </a:p>
@@ -2053,7 +2054,7 @@
           <a:p>
             <a:fld id="{0F00270E-C310-4A15-A181-70DB3B0EDDE1}" type="datetimeFigureOut">
               <a:rPr kumimoji="1" lang="ja-JP" altLang="en-US" smtClean="0"/>
-              <a:t>2020/6/24</a:t>
+              <a:t>2020/7/1</a:t>
             </a:fld>
             <a:endParaRPr kumimoji="1" lang="ja-JP" altLang="en-US"/>
           </a:p>
@@ -2148,7 +2149,7 @@
           <a:p>
             <a:fld id="{0F00270E-C310-4A15-A181-70DB3B0EDDE1}" type="datetimeFigureOut">
               <a:rPr kumimoji="1" lang="ja-JP" altLang="en-US" smtClean="0"/>
-              <a:t>2020/6/24</a:t>
+              <a:t>2020/7/1</a:t>
             </a:fld>
             <a:endParaRPr kumimoji="1" lang="ja-JP" altLang="en-US"/>
           </a:p>
@@ -2457,7 +2458,7 @@
           <a:p>
             <a:fld id="{0F00270E-C310-4A15-A181-70DB3B0EDDE1}" type="datetimeFigureOut">
               <a:rPr kumimoji="1" lang="ja-JP" altLang="en-US" smtClean="0"/>
-              <a:t>2020/6/24</a:t>
+              <a:t>2020/7/1</a:t>
             </a:fld>
             <a:endParaRPr kumimoji="1" lang="ja-JP" altLang="en-US"/>
           </a:p>
@@ -2714,7 +2715,7 @@
           <a:p>
             <a:fld id="{0F00270E-C310-4A15-A181-70DB3B0EDDE1}" type="datetimeFigureOut">
               <a:rPr kumimoji="1" lang="ja-JP" altLang="en-US" smtClean="0"/>
-              <a:t>2020/6/24</a:t>
+              <a:t>2020/7/1</a:t>
             </a:fld>
             <a:endParaRPr kumimoji="1" lang="ja-JP" altLang="en-US"/>
           </a:p>
@@ -2959,7 +2960,7 @@
           <a:p>
             <a:fld id="{0F00270E-C310-4A15-A181-70DB3B0EDDE1}" type="datetimeFigureOut">
               <a:rPr kumimoji="1" lang="ja-JP" altLang="en-US" smtClean="0"/>
-              <a:t>2020/6/24</a:t>
+              <a:t>2020/7/1</a:t>
             </a:fld>
             <a:endParaRPr kumimoji="1" lang="ja-JP" altLang="en-US"/>
           </a:p>
@@ -3774,6 +3775,301 @@
 </p:sld>
 </file>
 
+<file path=ppt/slides/slide4.xml><?xml version="1.0" encoding="utf-8"?>
+<p:sld xmlns:a="http://schemas.openxmlformats.org/drawingml/2006/main" xmlns:r="http://schemas.openxmlformats.org/officeDocument/2006/relationships" xmlns:p="http://schemas.openxmlformats.org/presentationml/2006/main">
+  <p:cSld>
+    <p:spTree>
+      <p:nvGrpSpPr>
+        <p:cNvPr id="1" name=""/>
+        <p:cNvGrpSpPr/>
+        <p:nvPr/>
+      </p:nvGrpSpPr>
+      <p:grpSpPr>
+        <a:xfrm>
+          <a:off x="0" y="0"/>
+          <a:ext cx="0" cy="0"/>
+          <a:chOff x="0" y="0"/>
+          <a:chExt cx="0" cy="0"/>
+        </a:xfrm>
+      </p:grpSpPr>
+      <p:pic>
+        <p:nvPicPr>
+          <p:cNvPr id="2" name="図 1">
+            <a:extLst>
+              <a:ext uri="{FF2B5EF4-FFF2-40B4-BE49-F238E27FC236}">
+                <a16:creationId xmlns:a16="http://schemas.microsoft.com/office/drawing/2014/main" id="{9A9FE1EB-9ADE-49F7-85E8-10AA58731C8C}"/>
+              </a:ext>
+            </a:extLst>
+          </p:cNvPr>
+          <p:cNvPicPr>
+            <a:picLocks noChangeAspect="1"/>
+          </p:cNvPicPr>
+          <p:nvPr/>
+        </p:nvPicPr>
+        <p:blipFill>
+          <a:blip r:embed="rId2">
+            <a:extLst>
+              <a:ext uri="{BEBA8EAE-BF5A-486C-A8C5-ECC9F3942E4B}">
+                <a14:imgProps xmlns:a14="http://schemas.microsoft.com/office/drawing/2010/main">
+                  <a14:imgLayer r:embed="rId3">
+                    <a14:imgEffect>
+                      <a14:brightnessContrast bright="20000" contrast="20000"/>
+                    </a14:imgEffect>
+                  </a14:imgLayer>
+                </a14:imgProps>
+              </a:ext>
+            </a:extLst>
+          </a:blip>
+          <a:stretch>
+            <a:fillRect/>
+          </a:stretch>
+        </p:blipFill>
+        <p:spPr>
+          <a:xfrm>
+            <a:off x="-2165930" y="2"/>
+            <a:ext cx="8628897" cy="4853750"/>
+          </a:xfrm>
+          <a:prstGeom prst="rect">
+            <a:avLst/>
+          </a:prstGeom>
+          <a:effectLst>
+            <a:glow rad="25400">
+              <a:schemeClr val="accent5">
+                <a:lumMod val="20000"/>
+                <a:lumOff val="80000"/>
+                <a:alpha val="70000"/>
+              </a:schemeClr>
+            </a:glow>
+          </a:effectLst>
+        </p:spPr>
+      </p:pic>
+      <p:sp>
+        <p:nvSpPr>
+          <p:cNvPr id="3" name="正方形/長方形 2">
+            <a:extLst>
+              <a:ext uri="{FF2B5EF4-FFF2-40B4-BE49-F238E27FC236}">
+                <a16:creationId xmlns:a16="http://schemas.microsoft.com/office/drawing/2014/main" id="{8EE5828E-195E-4059-911D-9EE0CC0F8A39}"/>
+              </a:ext>
+            </a:extLst>
+          </p:cNvPr>
+          <p:cNvSpPr/>
+          <p:nvPr/>
+        </p:nvSpPr>
+        <p:spPr>
+          <a:xfrm>
+            <a:off x="-1" y="5"/>
+            <a:ext cx="4865690" cy="4865688"/>
+          </a:xfrm>
+          <a:prstGeom prst="rect">
+            <a:avLst/>
+          </a:prstGeom>
+          <a:noFill/>
+          <a:ln w="57150">
+            <a:solidFill>
+              <a:srgbClr val="0070C0"/>
+            </a:solidFill>
+          </a:ln>
+        </p:spPr>
+        <p:style>
+          <a:lnRef idx="2">
+            <a:schemeClr val="accent1">
+              <a:shade val="50000"/>
+            </a:schemeClr>
+          </a:lnRef>
+          <a:fillRef idx="1">
+            <a:schemeClr val="accent1"/>
+          </a:fillRef>
+          <a:effectRef idx="0">
+            <a:schemeClr val="accent1"/>
+          </a:effectRef>
+          <a:fontRef idx="minor">
+            <a:schemeClr val="lt1"/>
+          </a:fontRef>
+        </p:style>
+        <p:txBody>
+          <a:bodyPr rtlCol="0" anchor="b"/>
+          <a:lstStyle/>
+          <a:p>
+            <a:r>
+              <a:rPr kumimoji="1" lang="ja-JP" altLang="en-US" sz="6983" dirty="0">
+                <a:solidFill>
+                  <a:schemeClr val="accent1"/>
+                </a:solidFill>
+                <a:effectLst>
+                  <a:glow rad="76200">
+                    <a:schemeClr val="bg1">
+                      <a:alpha val="80000"/>
+                    </a:schemeClr>
+                  </a:glow>
+                </a:effectLst>
+                <a:latin typeface="BIZ UDPゴシック B" panose="020B0800000000000000" pitchFamily="50" charset="-128"/>
+                <a:ea typeface="BIZ UDPゴシック B" panose="020B0800000000000000" pitchFamily="50" charset="-128"/>
+              </a:rPr>
+              <a:t>五峯祭</a:t>
+            </a:r>
+            <a:endParaRPr kumimoji="1" lang="en-US" altLang="ja-JP" sz="6983" dirty="0">
+              <a:solidFill>
+                <a:schemeClr val="accent1"/>
+              </a:solidFill>
+              <a:effectLst>
+                <a:glow rad="76200">
+                  <a:schemeClr val="bg1">
+                    <a:alpha val="80000"/>
+                  </a:schemeClr>
+                </a:glow>
+              </a:effectLst>
+              <a:latin typeface="BIZ UDPゴシック B" panose="020B0800000000000000" pitchFamily="50" charset="-128"/>
+              <a:ea typeface="BIZ UDPゴシック B" panose="020B0800000000000000" pitchFamily="50" charset="-128"/>
+            </a:endParaRPr>
+          </a:p>
+          <a:p>
+            <a:r>
+              <a:rPr kumimoji="1" lang="en-US" altLang="ja-JP" sz="6983" dirty="0">
+                <a:solidFill>
+                  <a:schemeClr val="accent1"/>
+                </a:solidFill>
+                <a:effectLst>
+                  <a:glow rad="76200">
+                    <a:schemeClr val="bg1">
+                      <a:alpha val="80000"/>
+                    </a:schemeClr>
+                  </a:glow>
+                </a:effectLst>
+                <a:latin typeface="BIZ UDPゴシック B" panose="020B0800000000000000" pitchFamily="50" charset="-128"/>
+                <a:ea typeface="BIZ UDPゴシック B" panose="020B0800000000000000" pitchFamily="50" charset="-128"/>
+              </a:rPr>
+              <a:t>SAMPLE</a:t>
+            </a:r>
+          </a:p>
+          <a:p>
+            <a:r>
+              <a:rPr kumimoji="1" lang="en-US" altLang="ja-JP" sz="6983" dirty="0">
+                <a:solidFill>
+                  <a:schemeClr val="accent1"/>
+                </a:solidFill>
+                <a:effectLst>
+                  <a:glow rad="76200">
+                    <a:schemeClr val="bg1">
+                      <a:alpha val="80000"/>
+                    </a:schemeClr>
+                  </a:glow>
+                </a:effectLst>
+                <a:latin typeface="BIZ UDPゴシック B" panose="020B0800000000000000" pitchFamily="50" charset="-128"/>
+                <a:ea typeface="BIZ UDPゴシック B" panose="020B0800000000000000" pitchFamily="50" charset="-128"/>
+              </a:rPr>
+              <a:t>Virtual</a:t>
+            </a:r>
+          </a:p>
+          <a:p>
+            <a:r>
+              <a:rPr kumimoji="1" lang="en-US" altLang="ja-JP" sz="6983" dirty="0">
+                <a:solidFill>
+                  <a:schemeClr val="accent1"/>
+                </a:solidFill>
+                <a:effectLst>
+                  <a:glow rad="76200">
+                    <a:schemeClr val="bg1">
+                      <a:alpha val="80000"/>
+                    </a:schemeClr>
+                  </a:glow>
+                </a:effectLst>
+                <a:latin typeface="BIZ UDPゴシック B" panose="020B0800000000000000" pitchFamily="50" charset="-128"/>
+                <a:ea typeface="BIZ UDPゴシック B" panose="020B0800000000000000" pitchFamily="50" charset="-128"/>
+              </a:rPr>
+              <a:t>World</a:t>
+            </a:r>
+            <a:endParaRPr kumimoji="1" lang="ja-JP" altLang="en-US" sz="6983" dirty="0">
+              <a:solidFill>
+                <a:schemeClr val="accent1"/>
+              </a:solidFill>
+              <a:effectLst>
+                <a:glow rad="76200">
+                  <a:schemeClr val="bg1">
+                    <a:alpha val="80000"/>
+                  </a:schemeClr>
+                </a:glow>
+              </a:effectLst>
+              <a:latin typeface="BIZ UDPゴシック B" panose="020B0800000000000000" pitchFamily="50" charset="-128"/>
+              <a:ea typeface="BIZ UDPゴシック B" panose="020B0800000000000000" pitchFamily="50" charset="-128"/>
+            </a:endParaRPr>
+          </a:p>
+        </p:txBody>
+      </p:sp>
+      <p:pic>
+        <p:nvPicPr>
+          <p:cNvPr id="7" name="図 6">
+            <a:extLst>
+              <a:ext uri="{FF2B5EF4-FFF2-40B4-BE49-F238E27FC236}">
+                <a16:creationId xmlns:a16="http://schemas.microsoft.com/office/drawing/2014/main" id="{24A829C6-DB89-4CC3-918E-C66BEB1D850A}"/>
+              </a:ext>
+            </a:extLst>
+          </p:cNvPr>
+          <p:cNvPicPr>
+            <a:picLocks noChangeAspect="1"/>
+          </p:cNvPicPr>
+          <p:nvPr/>
+        </p:nvPicPr>
+        <p:blipFill>
+          <a:blip r:embed="rId4">
+            <a:clrChange>
+              <a:clrFrom>
+                <a:srgbClr val="000000">
+                  <a:alpha val="0"/>
+                </a:srgbClr>
+              </a:clrFrom>
+              <a:clrTo>
+                <a:srgbClr val="000000">
+                  <a:alpha val="0"/>
+                </a:srgbClr>
+              </a:clrTo>
+            </a:clrChange>
+            <a:duotone>
+              <a:schemeClr val="accent1">
+                <a:shade val="45000"/>
+                <a:satMod val="135000"/>
+              </a:schemeClr>
+              <a:prstClr val="white"/>
+            </a:duotone>
+            <a:extLst>
+              <a:ext uri="{28A0092B-C50C-407E-A947-70E740481C1C}">
+                <a14:useLocalDpi xmlns:a14="http://schemas.microsoft.com/office/drawing/2010/main" val="0"/>
+              </a:ext>
+            </a:extLst>
+          </a:blip>
+          <a:stretch>
+            <a:fillRect/>
+          </a:stretch>
+        </p:blipFill>
+        <p:spPr>
+          <a:xfrm>
+            <a:off x="3046502" y="11936"/>
+            <a:ext cx="1819185" cy="1573195"/>
+          </a:xfrm>
+          <a:prstGeom prst="rect">
+            <a:avLst/>
+          </a:prstGeom>
+          <a:effectLst>
+            <a:glow rad="63500">
+              <a:schemeClr val="bg1">
+                <a:alpha val="80000"/>
+              </a:schemeClr>
+            </a:glow>
+          </a:effectLst>
+        </p:spPr>
+      </p:pic>
+    </p:spTree>
+    <p:extLst>
+      <p:ext uri="{BB962C8B-B14F-4D97-AF65-F5344CB8AC3E}">
+        <p14:creationId xmlns:p14="http://schemas.microsoft.com/office/powerpoint/2010/main" val="1712478013"/>
+      </p:ext>
+    </p:extLst>
+  </p:cSld>
+  <p:clrMapOvr>
+    <a:masterClrMapping/>
+  </p:clrMapOvr>
+</p:sld>
+</file>
+
 <file path=ppt/theme/theme1.xml><?xml version="1.0" encoding="utf-8"?>
 <a:theme xmlns:a="http://schemas.openxmlformats.org/drawingml/2006/main" name="Office テーマ">
   <a:themeElements>

--- a/資料/icon512.pptx
+++ b/資料/icon512.pptx
@@ -8,7 +8,10 @@
     <p:sldId id="257" r:id="rId2"/>
     <p:sldId id="258" r:id="rId3"/>
     <p:sldId id="259" r:id="rId4"/>
-    <p:sldId id="260" r:id="rId5"/>
+    <p:sldId id="261" r:id="rId5"/>
+    <p:sldId id="262" r:id="rId6"/>
+    <p:sldId id="263" r:id="rId7"/>
+    <p:sldId id="260" r:id="rId8"/>
   </p:sldIdLst>
   <p:sldSz cx="4865688" cy="4865688"/>
   <p:notesSz cx="6858000" cy="9144000"/>
@@ -349,7 +352,7 @@
           <a:p>
             <a:fld id="{0F00270E-C310-4A15-A181-70DB3B0EDDE1}" type="datetimeFigureOut">
               <a:rPr kumimoji="1" lang="ja-JP" altLang="en-US" smtClean="0"/>
-              <a:t>2020/7/1</a:t>
+              <a:t>2020/7/13</a:t>
             </a:fld>
             <a:endParaRPr kumimoji="1" lang="ja-JP" altLang="en-US"/>
           </a:p>
@@ -551,7 +554,7 @@
           <a:p>
             <a:fld id="{0F00270E-C310-4A15-A181-70DB3B0EDDE1}" type="datetimeFigureOut">
               <a:rPr kumimoji="1" lang="ja-JP" altLang="en-US" smtClean="0"/>
-              <a:t>2020/7/1</a:t>
+              <a:t>2020/7/13</a:t>
             </a:fld>
             <a:endParaRPr kumimoji="1" lang="ja-JP" altLang="en-US"/>
           </a:p>
@@ -763,7 +766,7 @@
           <a:p>
             <a:fld id="{0F00270E-C310-4A15-A181-70DB3B0EDDE1}" type="datetimeFigureOut">
               <a:rPr kumimoji="1" lang="ja-JP" altLang="en-US" smtClean="0"/>
-              <a:t>2020/7/1</a:t>
+              <a:t>2020/7/13</a:t>
             </a:fld>
             <a:endParaRPr kumimoji="1" lang="ja-JP" altLang="en-US"/>
           </a:p>
@@ -965,7 +968,7 @@
           <a:p>
             <a:fld id="{0F00270E-C310-4A15-A181-70DB3B0EDDE1}" type="datetimeFigureOut">
               <a:rPr kumimoji="1" lang="ja-JP" altLang="en-US" smtClean="0"/>
-              <a:t>2020/7/1</a:t>
+              <a:t>2020/7/13</a:t>
             </a:fld>
             <a:endParaRPr kumimoji="1" lang="ja-JP" altLang="en-US"/>
           </a:p>
@@ -1209,7 +1212,7 @@
           <a:p>
             <a:fld id="{0F00270E-C310-4A15-A181-70DB3B0EDDE1}" type="datetimeFigureOut">
               <a:rPr kumimoji="1" lang="ja-JP" altLang="en-US" smtClean="0"/>
-              <a:t>2020/7/1</a:t>
+              <a:t>2020/7/13</a:t>
             </a:fld>
             <a:endParaRPr kumimoji="1" lang="ja-JP" altLang="en-US"/>
           </a:p>
@@ -1505,7 +1508,7 @@
           <a:p>
             <a:fld id="{0F00270E-C310-4A15-A181-70DB3B0EDDE1}" type="datetimeFigureOut">
               <a:rPr kumimoji="1" lang="ja-JP" altLang="en-US" smtClean="0"/>
-              <a:t>2020/7/1</a:t>
+              <a:t>2020/7/13</a:t>
             </a:fld>
             <a:endParaRPr kumimoji="1" lang="ja-JP" altLang="en-US"/>
           </a:p>
@@ -1936,7 +1939,7 @@
           <a:p>
             <a:fld id="{0F00270E-C310-4A15-A181-70DB3B0EDDE1}" type="datetimeFigureOut">
               <a:rPr kumimoji="1" lang="ja-JP" altLang="en-US" smtClean="0"/>
-              <a:t>2020/7/1</a:t>
+              <a:t>2020/7/13</a:t>
             </a:fld>
             <a:endParaRPr kumimoji="1" lang="ja-JP" altLang="en-US"/>
           </a:p>
@@ -2054,7 +2057,7 @@
           <a:p>
             <a:fld id="{0F00270E-C310-4A15-A181-70DB3B0EDDE1}" type="datetimeFigureOut">
               <a:rPr kumimoji="1" lang="ja-JP" altLang="en-US" smtClean="0"/>
-              <a:t>2020/7/1</a:t>
+              <a:t>2020/7/13</a:t>
             </a:fld>
             <a:endParaRPr kumimoji="1" lang="ja-JP" altLang="en-US"/>
           </a:p>
@@ -2149,7 +2152,7 @@
           <a:p>
             <a:fld id="{0F00270E-C310-4A15-A181-70DB3B0EDDE1}" type="datetimeFigureOut">
               <a:rPr kumimoji="1" lang="ja-JP" altLang="en-US" smtClean="0"/>
-              <a:t>2020/7/1</a:t>
+              <a:t>2020/7/13</a:t>
             </a:fld>
             <a:endParaRPr kumimoji="1" lang="ja-JP" altLang="en-US"/>
           </a:p>
@@ -2458,7 +2461,7 @@
           <a:p>
             <a:fld id="{0F00270E-C310-4A15-A181-70DB3B0EDDE1}" type="datetimeFigureOut">
               <a:rPr kumimoji="1" lang="ja-JP" altLang="en-US" smtClean="0"/>
-              <a:t>2020/7/1</a:t>
+              <a:t>2020/7/13</a:t>
             </a:fld>
             <a:endParaRPr kumimoji="1" lang="ja-JP" altLang="en-US"/>
           </a:p>
@@ -2715,7 +2718,7 @@
           <a:p>
             <a:fld id="{0F00270E-C310-4A15-A181-70DB3B0EDDE1}" type="datetimeFigureOut">
               <a:rPr kumimoji="1" lang="ja-JP" altLang="en-US" smtClean="0"/>
-              <a:t>2020/7/1</a:t>
+              <a:t>2020/7/13</a:t>
             </a:fld>
             <a:endParaRPr kumimoji="1" lang="ja-JP" altLang="en-US"/>
           </a:p>
@@ -2960,7 +2963,7 @@
           <a:p>
             <a:fld id="{0F00270E-C310-4A15-A181-70DB3B0EDDE1}" type="datetimeFigureOut">
               <a:rPr kumimoji="1" lang="ja-JP" altLang="en-US" smtClean="0"/>
-              <a:t>2020/7/1</a:t>
+              <a:t>2020/7/13</a:t>
             </a:fld>
             <a:endParaRPr kumimoji="1" lang="ja-JP" altLang="en-US"/>
           </a:p>
@@ -3776,6 +3779,590 @@
 </file>
 
 <file path=ppt/slides/slide4.xml><?xml version="1.0" encoding="utf-8"?>
+<p:sld xmlns:a="http://schemas.openxmlformats.org/drawingml/2006/main" xmlns:r="http://schemas.openxmlformats.org/officeDocument/2006/relationships" xmlns:p="http://schemas.openxmlformats.org/presentationml/2006/main">
+  <p:cSld>
+    <p:spTree>
+      <p:nvGrpSpPr>
+        <p:cNvPr id="1" name=""/>
+        <p:cNvGrpSpPr/>
+        <p:nvPr/>
+      </p:nvGrpSpPr>
+      <p:grpSpPr>
+        <a:xfrm>
+          <a:off x="0" y="0"/>
+          <a:ext cx="0" cy="0"/>
+          <a:chOff x="0" y="0"/>
+          <a:chExt cx="0" cy="0"/>
+        </a:xfrm>
+      </p:grpSpPr>
+      <p:pic>
+        <p:nvPicPr>
+          <p:cNvPr id="7" name="図 6">
+            <a:extLst>
+              <a:ext uri="{FF2B5EF4-FFF2-40B4-BE49-F238E27FC236}">
+                <a16:creationId xmlns:a16="http://schemas.microsoft.com/office/drawing/2014/main" id="{24A829C6-DB89-4CC3-918E-C66BEB1D850A}"/>
+              </a:ext>
+            </a:extLst>
+          </p:cNvPr>
+          <p:cNvPicPr>
+            <a:picLocks noChangeAspect="1"/>
+          </p:cNvPicPr>
+          <p:nvPr/>
+        </p:nvPicPr>
+        <p:blipFill>
+          <a:blip r:embed="rId2">
+            <a:clrChange>
+              <a:clrFrom>
+                <a:srgbClr val="000000">
+                  <a:alpha val="0"/>
+                </a:srgbClr>
+              </a:clrFrom>
+              <a:clrTo>
+                <a:srgbClr val="000000">
+                  <a:alpha val="0"/>
+                </a:srgbClr>
+              </a:clrTo>
+            </a:clrChange>
+            <a:duotone>
+              <a:schemeClr val="accent1">
+                <a:shade val="45000"/>
+                <a:satMod val="135000"/>
+              </a:schemeClr>
+              <a:prstClr val="white"/>
+            </a:duotone>
+            <a:extLst>
+              <a:ext uri="{28A0092B-C50C-407E-A947-70E740481C1C}">
+                <a14:useLocalDpi xmlns:a14="http://schemas.microsoft.com/office/drawing/2010/main" val="0"/>
+              </a:ext>
+            </a:extLst>
+          </a:blip>
+          <a:stretch>
+            <a:fillRect/>
+          </a:stretch>
+        </p:blipFill>
+        <p:spPr>
+          <a:xfrm>
+            <a:off x="-11628" y="318913"/>
+            <a:ext cx="4888944" cy="4227862"/>
+          </a:xfrm>
+          <a:prstGeom prst="rect">
+            <a:avLst/>
+          </a:prstGeom>
+          <a:effectLst>
+            <a:glow rad="63500">
+              <a:schemeClr val="bg1">
+                <a:alpha val="80000"/>
+              </a:schemeClr>
+            </a:glow>
+          </a:effectLst>
+        </p:spPr>
+      </p:pic>
+    </p:spTree>
+    <p:extLst>
+      <p:ext uri="{BB962C8B-B14F-4D97-AF65-F5344CB8AC3E}">
+        <p14:creationId xmlns:p14="http://schemas.microsoft.com/office/powerpoint/2010/main" val="3605529489"/>
+      </p:ext>
+    </p:extLst>
+  </p:cSld>
+  <p:clrMapOvr>
+    <a:masterClrMapping/>
+  </p:clrMapOvr>
+</p:sld>
+</file>
+
+<file path=ppt/slides/slide5.xml><?xml version="1.0" encoding="utf-8"?>
+<p:sld xmlns:a="http://schemas.openxmlformats.org/drawingml/2006/main" xmlns:r="http://schemas.openxmlformats.org/officeDocument/2006/relationships" xmlns:p="http://schemas.openxmlformats.org/presentationml/2006/main">
+  <p:cSld>
+    <p:spTree>
+      <p:nvGrpSpPr>
+        <p:cNvPr id="1" name=""/>
+        <p:cNvGrpSpPr/>
+        <p:nvPr/>
+      </p:nvGrpSpPr>
+      <p:grpSpPr>
+        <a:xfrm>
+          <a:off x="0" y="0"/>
+          <a:ext cx="0" cy="0"/>
+          <a:chOff x="0" y="0"/>
+          <a:chExt cx="0" cy="0"/>
+        </a:xfrm>
+      </p:grpSpPr>
+      <p:sp>
+        <p:nvSpPr>
+          <p:cNvPr id="3" name="コンテンツ プレースホルダー 2">
+            <a:extLst>
+              <a:ext uri="{FF2B5EF4-FFF2-40B4-BE49-F238E27FC236}">
+                <a16:creationId xmlns:a16="http://schemas.microsoft.com/office/drawing/2014/main" id="{AF5AEE04-0041-4D81-AA3B-5A1FDB68438C}"/>
+              </a:ext>
+            </a:extLst>
+          </p:cNvPr>
+          <p:cNvSpPr txBox="1">
+            <a:spLocks/>
+          </p:cNvSpPr>
+          <p:nvPr/>
+        </p:nvSpPr>
+        <p:spPr>
+          <a:xfrm>
+            <a:off x="0" y="1778454"/>
+            <a:ext cx="4196656" cy="3087234"/>
+          </a:xfrm>
+          <a:prstGeom prst="rect">
+            <a:avLst/>
+          </a:prstGeom>
+        </p:spPr>
+        <p:txBody>
+          <a:bodyPr lIns="0" tIns="0" rIns="0" bIns="0" anchor="b"/>
+          <a:lstStyle>
+            <a:lvl1pPr marL="121638" indent="-121638" algn="l" defTabSz="486552" rtl="0" eaLnBrk="1" latinLnBrk="0" hangingPunct="1">
+              <a:lnSpc>
+                <a:spcPct val="90000"/>
+              </a:lnSpc>
+              <a:spcBef>
+                <a:spcPts val="532"/>
+              </a:spcBef>
+              <a:buFont typeface="Arial" panose="020B0604020202020204" pitchFamily="34" charset="0"/>
+              <a:buChar char="•"/>
+              <a:defRPr kumimoji="1" sz="1490" kern="1200">
+                <a:solidFill>
+                  <a:schemeClr val="tx1"/>
+                </a:solidFill>
+                <a:latin typeface="+mn-lt"/>
+                <a:ea typeface="+mn-ea"/>
+                <a:cs typeface="+mn-cs"/>
+              </a:defRPr>
+            </a:lvl1pPr>
+            <a:lvl2pPr marL="364914" indent="-121638" algn="l" defTabSz="486552" rtl="0" eaLnBrk="1" latinLnBrk="0" hangingPunct="1">
+              <a:lnSpc>
+                <a:spcPct val="90000"/>
+              </a:lnSpc>
+              <a:spcBef>
+                <a:spcPts val="266"/>
+              </a:spcBef>
+              <a:buFont typeface="Arial" panose="020B0604020202020204" pitchFamily="34" charset="0"/>
+              <a:buChar char="•"/>
+              <a:defRPr kumimoji="1" sz="1277" kern="1200">
+                <a:solidFill>
+                  <a:schemeClr val="tx1"/>
+                </a:solidFill>
+                <a:latin typeface="+mn-lt"/>
+                <a:ea typeface="+mn-ea"/>
+                <a:cs typeface="+mn-cs"/>
+              </a:defRPr>
+            </a:lvl2pPr>
+            <a:lvl3pPr marL="608190" indent="-121638" algn="l" defTabSz="486552" rtl="0" eaLnBrk="1" latinLnBrk="0" hangingPunct="1">
+              <a:lnSpc>
+                <a:spcPct val="90000"/>
+              </a:lnSpc>
+              <a:spcBef>
+                <a:spcPts val="266"/>
+              </a:spcBef>
+              <a:buFont typeface="Arial" panose="020B0604020202020204" pitchFamily="34" charset="0"/>
+              <a:buChar char="•"/>
+              <a:defRPr kumimoji="1" sz="1064" kern="1200">
+                <a:solidFill>
+                  <a:schemeClr val="tx1"/>
+                </a:solidFill>
+                <a:latin typeface="+mn-lt"/>
+                <a:ea typeface="+mn-ea"/>
+                <a:cs typeface="+mn-cs"/>
+              </a:defRPr>
+            </a:lvl3pPr>
+            <a:lvl4pPr marL="851466" indent="-121638" algn="l" defTabSz="486552" rtl="0" eaLnBrk="1" latinLnBrk="0" hangingPunct="1">
+              <a:lnSpc>
+                <a:spcPct val="90000"/>
+              </a:lnSpc>
+              <a:spcBef>
+                <a:spcPts val="266"/>
+              </a:spcBef>
+              <a:buFont typeface="Arial" panose="020B0604020202020204" pitchFamily="34" charset="0"/>
+              <a:buChar char="•"/>
+              <a:defRPr kumimoji="1" sz="958" kern="1200">
+                <a:solidFill>
+                  <a:schemeClr val="tx1"/>
+                </a:solidFill>
+                <a:latin typeface="+mn-lt"/>
+                <a:ea typeface="+mn-ea"/>
+                <a:cs typeface="+mn-cs"/>
+              </a:defRPr>
+            </a:lvl4pPr>
+            <a:lvl5pPr marL="1094743" indent="-121638" algn="l" defTabSz="486552" rtl="0" eaLnBrk="1" latinLnBrk="0" hangingPunct="1">
+              <a:lnSpc>
+                <a:spcPct val="90000"/>
+              </a:lnSpc>
+              <a:spcBef>
+                <a:spcPts val="266"/>
+              </a:spcBef>
+              <a:buFont typeface="Arial" panose="020B0604020202020204" pitchFamily="34" charset="0"/>
+              <a:buChar char="•"/>
+              <a:defRPr kumimoji="1" sz="958" kern="1200">
+                <a:solidFill>
+                  <a:schemeClr val="tx1"/>
+                </a:solidFill>
+                <a:latin typeface="+mn-lt"/>
+                <a:ea typeface="+mn-ea"/>
+                <a:cs typeface="+mn-cs"/>
+              </a:defRPr>
+            </a:lvl5pPr>
+            <a:lvl6pPr marL="1338019" indent="-121638" algn="l" defTabSz="486552" rtl="0" eaLnBrk="1" latinLnBrk="0" hangingPunct="1">
+              <a:lnSpc>
+                <a:spcPct val="90000"/>
+              </a:lnSpc>
+              <a:spcBef>
+                <a:spcPts val="266"/>
+              </a:spcBef>
+              <a:buFont typeface="Arial" panose="020B0604020202020204" pitchFamily="34" charset="0"/>
+              <a:buChar char="•"/>
+              <a:defRPr kumimoji="1" sz="958" kern="1200">
+                <a:solidFill>
+                  <a:schemeClr val="tx1"/>
+                </a:solidFill>
+                <a:latin typeface="+mn-lt"/>
+                <a:ea typeface="+mn-ea"/>
+                <a:cs typeface="+mn-cs"/>
+              </a:defRPr>
+            </a:lvl6pPr>
+            <a:lvl7pPr marL="1581295" indent="-121638" algn="l" defTabSz="486552" rtl="0" eaLnBrk="1" latinLnBrk="0" hangingPunct="1">
+              <a:lnSpc>
+                <a:spcPct val="90000"/>
+              </a:lnSpc>
+              <a:spcBef>
+                <a:spcPts val="266"/>
+              </a:spcBef>
+              <a:buFont typeface="Arial" panose="020B0604020202020204" pitchFamily="34" charset="0"/>
+              <a:buChar char="•"/>
+              <a:defRPr kumimoji="1" sz="958" kern="1200">
+                <a:solidFill>
+                  <a:schemeClr val="tx1"/>
+                </a:solidFill>
+                <a:latin typeface="+mn-lt"/>
+                <a:ea typeface="+mn-ea"/>
+                <a:cs typeface="+mn-cs"/>
+              </a:defRPr>
+            </a:lvl7pPr>
+            <a:lvl8pPr marL="1824571" indent="-121638" algn="l" defTabSz="486552" rtl="0" eaLnBrk="1" latinLnBrk="0" hangingPunct="1">
+              <a:lnSpc>
+                <a:spcPct val="90000"/>
+              </a:lnSpc>
+              <a:spcBef>
+                <a:spcPts val="266"/>
+              </a:spcBef>
+              <a:buFont typeface="Arial" panose="020B0604020202020204" pitchFamily="34" charset="0"/>
+              <a:buChar char="•"/>
+              <a:defRPr kumimoji="1" sz="958" kern="1200">
+                <a:solidFill>
+                  <a:schemeClr val="tx1"/>
+                </a:solidFill>
+                <a:latin typeface="+mn-lt"/>
+                <a:ea typeface="+mn-ea"/>
+                <a:cs typeface="+mn-cs"/>
+              </a:defRPr>
+            </a:lvl8pPr>
+            <a:lvl9pPr marL="2067847" indent="-121638" algn="l" defTabSz="486552" rtl="0" eaLnBrk="1" latinLnBrk="0" hangingPunct="1">
+              <a:lnSpc>
+                <a:spcPct val="90000"/>
+              </a:lnSpc>
+              <a:spcBef>
+                <a:spcPts val="266"/>
+              </a:spcBef>
+              <a:buFont typeface="Arial" panose="020B0604020202020204" pitchFamily="34" charset="0"/>
+              <a:buChar char="•"/>
+              <a:defRPr kumimoji="1" sz="958" kern="1200">
+                <a:solidFill>
+                  <a:schemeClr val="tx1"/>
+                </a:solidFill>
+                <a:latin typeface="+mn-lt"/>
+                <a:ea typeface="+mn-ea"/>
+                <a:cs typeface="+mn-cs"/>
+              </a:defRPr>
+            </a:lvl9pPr>
+          </a:lstStyle>
+          <a:p>
+            <a:pPr marL="0" indent="0">
+              <a:buNone/>
+            </a:pPr>
+            <a:r>
+              <a:rPr lang="en-US" altLang="ja-JP" sz="13800" dirty="0">
+                <a:latin typeface="Arial Black" panose="020B0A04020102020204" pitchFamily="34" charset="0"/>
+              </a:rPr>
+              <a:t>KG</a:t>
+            </a:r>
+            <a:endParaRPr lang="ja-JP" altLang="en-US" sz="13800" dirty="0">
+              <a:latin typeface="Arial Black" panose="020B0A04020102020204" pitchFamily="34" charset="0"/>
+            </a:endParaRPr>
+          </a:p>
+        </p:txBody>
+      </p:sp>
+    </p:spTree>
+    <p:extLst>
+      <p:ext uri="{BB962C8B-B14F-4D97-AF65-F5344CB8AC3E}">
+        <p14:creationId xmlns:p14="http://schemas.microsoft.com/office/powerpoint/2010/main" val="1000529603"/>
+      </p:ext>
+    </p:extLst>
+  </p:cSld>
+  <p:clrMapOvr>
+    <a:masterClrMapping/>
+  </p:clrMapOvr>
+</p:sld>
+</file>
+
+<file path=ppt/slides/slide6.xml><?xml version="1.0" encoding="utf-8"?>
+<p:sld xmlns:a="http://schemas.openxmlformats.org/drawingml/2006/main" xmlns:r="http://schemas.openxmlformats.org/officeDocument/2006/relationships" xmlns:p="http://schemas.openxmlformats.org/presentationml/2006/main">
+  <p:cSld>
+    <p:spTree>
+      <p:nvGrpSpPr>
+        <p:cNvPr id="1" name=""/>
+        <p:cNvGrpSpPr/>
+        <p:nvPr/>
+      </p:nvGrpSpPr>
+      <p:grpSpPr>
+        <a:xfrm>
+          <a:off x="0" y="0"/>
+          <a:ext cx="0" cy="0"/>
+          <a:chOff x="0" y="0"/>
+          <a:chExt cx="0" cy="0"/>
+        </a:xfrm>
+      </p:grpSpPr>
+      <p:sp>
+        <p:nvSpPr>
+          <p:cNvPr id="3" name="コンテンツ プレースホルダー 2">
+            <a:extLst>
+              <a:ext uri="{FF2B5EF4-FFF2-40B4-BE49-F238E27FC236}">
+                <a16:creationId xmlns:a16="http://schemas.microsoft.com/office/drawing/2014/main" id="{AF5AEE04-0041-4D81-AA3B-5A1FDB68438C}"/>
+              </a:ext>
+            </a:extLst>
+          </p:cNvPr>
+          <p:cNvSpPr txBox="1">
+            <a:spLocks/>
+          </p:cNvSpPr>
+          <p:nvPr/>
+        </p:nvSpPr>
+        <p:spPr>
+          <a:xfrm>
+            <a:off x="0" y="0"/>
+            <a:ext cx="4865688" cy="4865688"/>
+          </a:xfrm>
+          <a:prstGeom prst="rect">
+            <a:avLst/>
+          </a:prstGeom>
+        </p:spPr>
+        <p:txBody>
+          <a:bodyPr lIns="0" tIns="0" rIns="0" bIns="0" anchor="b"/>
+          <a:lstStyle>
+            <a:lvl1pPr marL="121638" indent="-121638" algn="l" defTabSz="486552" rtl="0" eaLnBrk="1" latinLnBrk="0" hangingPunct="1">
+              <a:lnSpc>
+                <a:spcPct val="90000"/>
+              </a:lnSpc>
+              <a:spcBef>
+                <a:spcPts val="532"/>
+              </a:spcBef>
+              <a:buFont typeface="Arial" panose="020B0604020202020204" pitchFamily="34" charset="0"/>
+              <a:buChar char="•"/>
+              <a:defRPr kumimoji="1" sz="1490" kern="1200">
+                <a:solidFill>
+                  <a:schemeClr val="tx1"/>
+                </a:solidFill>
+                <a:latin typeface="+mn-lt"/>
+                <a:ea typeface="+mn-ea"/>
+                <a:cs typeface="+mn-cs"/>
+              </a:defRPr>
+            </a:lvl1pPr>
+            <a:lvl2pPr marL="364914" indent="-121638" algn="l" defTabSz="486552" rtl="0" eaLnBrk="1" latinLnBrk="0" hangingPunct="1">
+              <a:lnSpc>
+                <a:spcPct val="90000"/>
+              </a:lnSpc>
+              <a:spcBef>
+                <a:spcPts val="266"/>
+              </a:spcBef>
+              <a:buFont typeface="Arial" panose="020B0604020202020204" pitchFamily="34" charset="0"/>
+              <a:buChar char="•"/>
+              <a:defRPr kumimoji="1" sz="1277" kern="1200">
+                <a:solidFill>
+                  <a:schemeClr val="tx1"/>
+                </a:solidFill>
+                <a:latin typeface="+mn-lt"/>
+                <a:ea typeface="+mn-ea"/>
+                <a:cs typeface="+mn-cs"/>
+              </a:defRPr>
+            </a:lvl2pPr>
+            <a:lvl3pPr marL="608190" indent="-121638" algn="l" defTabSz="486552" rtl="0" eaLnBrk="1" latinLnBrk="0" hangingPunct="1">
+              <a:lnSpc>
+                <a:spcPct val="90000"/>
+              </a:lnSpc>
+              <a:spcBef>
+                <a:spcPts val="266"/>
+              </a:spcBef>
+              <a:buFont typeface="Arial" panose="020B0604020202020204" pitchFamily="34" charset="0"/>
+              <a:buChar char="•"/>
+              <a:defRPr kumimoji="1" sz="1064" kern="1200">
+                <a:solidFill>
+                  <a:schemeClr val="tx1"/>
+                </a:solidFill>
+                <a:latin typeface="+mn-lt"/>
+                <a:ea typeface="+mn-ea"/>
+                <a:cs typeface="+mn-cs"/>
+              </a:defRPr>
+            </a:lvl3pPr>
+            <a:lvl4pPr marL="851466" indent="-121638" algn="l" defTabSz="486552" rtl="0" eaLnBrk="1" latinLnBrk="0" hangingPunct="1">
+              <a:lnSpc>
+                <a:spcPct val="90000"/>
+              </a:lnSpc>
+              <a:spcBef>
+                <a:spcPts val="266"/>
+              </a:spcBef>
+              <a:buFont typeface="Arial" panose="020B0604020202020204" pitchFamily="34" charset="0"/>
+              <a:buChar char="•"/>
+              <a:defRPr kumimoji="1" sz="958" kern="1200">
+                <a:solidFill>
+                  <a:schemeClr val="tx1"/>
+                </a:solidFill>
+                <a:latin typeface="+mn-lt"/>
+                <a:ea typeface="+mn-ea"/>
+                <a:cs typeface="+mn-cs"/>
+              </a:defRPr>
+            </a:lvl4pPr>
+            <a:lvl5pPr marL="1094743" indent="-121638" algn="l" defTabSz="486552" rtl="0" eaLnBrk="1" latinLnBrk="0" hangingPunct="1">
+              <a:lnSpc>
+                <a:spcPct val="90000"/>
+              </a:lnSpc>
+              <a:spcBef>
+                <a:spcPts val="266"/>
+              </a:spcBef>
+              <a:buFont typeface="Arial" panose="020B0604020202020204" pitchFamily="34" charset="0"/>
+              <a:buChar char="•"/>
+              <a:defRPr kumimoji="1" sz="958" kern="1200">
+                <a:solidFill>
+                  <a:schemeClr val="tx1"/>
+                </a:solidFill>
+                <a:latin typeface="+mn-lt"/>
+                <a:ea typeface="+mn-ea"/>
+                <a:cs typeface="+mn-cs"/>
+              </a:defRPr>
+            </a:lvl5pPr>
+            <a:lvl6pPr marL="1338019" indent="-121638" algn="l" defTabSz="486552" rtl="0" eaLnBrk="1" latinLnBrk="0" hangingPunct="1">
+              <a:lnSpc>
+                <a:spcPct val="90000"/>
+              </a:lnSpc>
+              <a:spcBef>
+                <a:spcPts val="266"/>
+              </a:spcBef>
+              <a:buFont typeface="Arial" panose="020B0604020202020204" pitchFamily="34" charset="0"/>
+              <a:buChar char="•"/>
+              <a:defRPr kumimoji="1" sz="958" kern="1200">
+                <a:solidFill>
+                  <a:schemeClr val="tx1"/>
+                </a:solidFill>
+                <a:latin typeface="+mn-lt"/>
+                <a:ea typeface="+mn-ea"/>
+                <a:cs typeface="+mn-cs"/>
+              </a:defRPr>
+            </a:lvl6pPr>
+            <a:lvl7pPr marL="1581295" indent="-121638" algn="l" defTabSz="486552" rtl="0" eaLnBrk="1" latinLnBrk="0" hangingPunct="1">
+              <a:lnSpc>
+                <a:spcPct val="90000"/>
+              </a:lnSpc>
+              <a:spcBef>
+                <a:spcPts val="266"/>
+              </a:spcBef>
+              <a:buFont typeface="Arial" panose="020B0604020202020204" pitchFamily="34" charset="0"/>
+              <a:buChar char="•"/>
+              <a:defRPr kumimoji="1" sz="958" kern="1200">
+                <a:solidFill>
+                  <a:schemeClr val="tx1"/>
+                </a:solidFill>
+                <a:latin typeface="+mn-lt"/>
+                <a:ea typeface="+mn-ea"/>
+                <a:cs typeface="+mn-cs"/>
+              </a:defRPr>
+            </a:lvl7pPr>
+            <a:lvl8pPr marL="1824571" indent="-121638" algn="l" defTabSz="486552" rtl="0" eaLnBrk="1" latinLnBrk="0" hangingPunct="1">
+              <a:lnSpc>
+                <a:spcPct val="90000"/>
+              </a:lnSpc>
+              <a:spcBef>
+                <a:spcPts val="266"/>
+              </a:spcBef>
+              <a:buFont typeface="Arial" panose="020B0604020202020204" pitchFamily="34" charset="0"/>
+              <a:buChar char="•"/>
+              <a:defRPr kumimoji="1" sz="958" kern="1200">
+                <a:solidFill>
+                  <a:schemeClr val="tx1"/>
+                </a:solidFill>
+                <a:latin typeface="+mn-lt"/>
+                <a:ea typeface="+mn-ea"/>
+                <a:cs typeface="+mn-cs"/>
+              </a:defRPr>
+            </a:lvl8pPr>
+            <a:lvl9pPr marL="2067847" indent="-121638" algn="l" defTabSz="486552" rtl="0" eaLnBrk="1" latinLnBrk="0" hangingPunct="1">
+              <a:lnSpc>
+                <a:spcPct val="90000"/>
+              </a:lnSpc>
+              <a:spcBef>
+                <a:spcPts val="266"/>
+              </a:spcBef>
+              <a:buFont typeface="Arial" panose="020B0604020202020204" pitchFamily="34" charset="0"/>
+              <a:buChar char="•"/>
+              <a:defRPr kumimoji="1" sz="958" kern="1200">
+                <a:solidFill>
+                  <a:schemeClr val="tx1"/>
+                </a:solidFill>
+                <a:latin typeface="+mn-lt"/>
+                <a:ea typeface="+mn-ea"/>
+                <a:cs typeface="+mn-cs"/>
+              </a:defRPr>
+            </a:lvl9pPr>
+          </a:lstStyle>
+          <a:p>
+            <a:pPr marL="0" indent="0">
+              <a:buNone/>
+            </a:pPr>
+            <a:r>
+              <a:rPr lang="ja-JP" altLang="en-US" sz="9600" dirty="0">
+                <a:latin typeface="HGP創英角ｺﾞｼｯｸUB" panose="020B0900000000000000" pitchFamily="50" charset="-128"/>
+                <a:ea typeface="HGP創英角ｺﾞｼｯｸUB" panose="020B0900000000000000" pitchFamily="50" charset="-128"/>
+              </a:rPr>
+              <a:t>ＡＲ</a:t>
+            </a:r>
+            <a:br>
+              <a:rPr lang="en-US" altLang="ja-JP" sz="9600">
+                <a:latin typeface="HGP創英角ｺﾞｼｯｸUB" panose="020B0900000000000000" pitchFamily="50" charset="-128"/>
+                <a:ea typeface="HGP創英角ｺﾞｼｯｸUB" panose="020B0900000000000000" pitchFamily="50" charset="-128"/>
+              </a:rPr>
+            </a:br>
+            <a:r>
+              <a:rPr lang="ja-JP" altLang="en-US" sz="9600">
+                <a:latin typeface="HGP創英角ｺﾞｼｯｸUB" panose="020B0900000000000000" pitchFamily="50" charset="-128"/>
+                <a:ea typeface="HGP創英角ｺﾞｼｯｸUB" panose="020B0900000000000000" pitchFamily="50" charset="-128"/>
+              </a:rPr>
+              <a:t>五</a:t>
+            </a:r>
+            <a:r>
+              <a:rPr lang="ja-JP" altLang="en-US" sz="9600" dirty="0">
+                <a:latin typeface="HGP創英角ｺﾞｼｯｸUB" panose="020B0900000000000000" pitchFamily="50" charset="-128"/>
+                <a:ea typeface="HGP創英角ｺﾞｼｯｸUB" panose="020B0900000000000000" pitchFamily="50" charset="-128"/>
+              </a:rPr>
+              <a:t>峯祭</a:t>
+            </a:r>
+            <a:endParaRPr lang="en-US" altLang="ja-JP" sz="9600" dirty="0">
+              <a:latin typeface="HGP創英角ｺﾞｼｯｸUB" panose="020B0900000000000000" pitchFamily="50" charset="-128"/>
+              <a:ea typeface="HGP創英角ｺﾞｼｯｸUB" panose="020B0900000000000000" pitchFamily="50" charset="-128"/>
+            </a:endParaRPr>
+          </a:p>
+        </p:txBody>
+      </p:sp>
+    </p:spTree>
+    <p:extLst>
+      <p:ext uri="{BB962C8B-B14F-4D97-AF65-F5344CB8AC3E}">
+        <p14:creationId xmlns:p14="http://schemas.microsoft.com/office/powerpoint/2010/main" val="966221745"/>
+      </p:ext>
+    </p:extLst>
+  </p:cSld>
+  <p:clrMapOvr>
+    <a:masterClrMapping/>
+  </p:clrMapOvr>
+</p:sld>
+</file>
+
+<file path=ppt/slides/slide7.xml><?xml version="1.0" encoding="utf-8"?>
 <p:sld xmlns:a="http://schemas.openxmlformats.org/drawingml/2006/main" xmlns:r="http://schemas.openxmlformats.org/officeDocument/2006/relationships" xmlns:p="http://schemas.openxmlformats.org/presentationml/2006/main">
   <p:cSld>
     <p:spTree>
